--- a/Photos/portfolio/Website Photos.pptx
+++ b/Photos/portfolio/Website Photos.pptx
@@ -8,6 +8,8 @@
     <p:sldId id="258" r:id="rId2"/>
     <p:sldId id="259" r:id="rId3"/>
     <p:sldId id="257" r:id="rId4"/>
+    <p:sldId id="261" r:id="rId5"/>
+    <p:sldId id="260" r:id="rId6"/>
   </p:sldIdLst>
   <p:sldSz cx="12192000" cy="6858000"/>
   <p:notesSz cx="6858000" cy="9144000"/>
@@ -3456,7 +3458,7 @@
           </p:cNvPicPr>
           <p:nvPr/>
         </p:nvPicPr>
-        <p:blipFill>
+        <p:blipFill rotWithShape="1">
           <a:blip r:embed="rId2">
             <a:extLst>
               <a:ext uri="{28A0092B-C50C-407E-A947-70E740481C1C}">
@@ -3464,15 +3466,13 @@
               </a:ext>
             </a:extLst>
           </a:blip>
-          <a:srcRect/>
-          <a:stretch>
-            <a:fillRect/>
-          </a:stretch>
+          <a:srcRect l="14871" t="10905" r="14934" b="10348"/>
+          <a:stretch/>
         </p:blipFill>
         <p:spPr bwMode="auto">
           <a:xfrm>
-            <a:off x="6347602" y="373224"/>
-            <a:ext cx="2578201" cy="3273906"/>
+            <a:off x="5973862" y="1022350"/>
+            <a:ext cx="3452008" cy="5029200"/>
           </a:xfrm>
           <a:prstGeom prst="rect">
             <a:avLst/>
@@ -3503,7 +3503,7 @@
           </p:cNvPicPr>
           <p:nvPr/>
         </p:nvPicPr>
-        <p:blipFill>
+        <p:blipFill rotWithShape="1">
           <a:blip r:embed="rId3">
             <a:extLst>
               <a:ext uri="{28A0092B-C50C-407E-A947-70E740481C1C}">
@@ -3511,15 +3511,13 @@
               </a:ext>
             </a:extLst>
           </a:blip>
-          <a:srcRect/>
-          <a:stretch>
-            <a:fillRect/>
-          </a:stretch>
+          <a:srcRect l="23607" t="28943" r="20092" b="5651"/>
+          <a:stretch/>
         </p:blipFill>
         <p:spPr bwMode="auto">
           <a:xfrm>
-            <a:off x="7968957" y="895786"/>
-            <a:ext cx="4053142" cy="5066428"/>
+            <a:off x="9484080" y="1022350"/>
+            <a:ext cx="3452008" cy="5029200"/>
           </a:xfrm>
           <a:prstGeom prst="rect">
             <a:avLst/>
@@ -4063,7 +4061,7 @@
               <a:avLst/>
             </a:prstGeom>
             <a:solidFill>
-              <a:srgbClr val="EADEEC"/>
+              <a:srgbClr val="F8F4FA"/>
             </a:solidFill>
             <a:ln>
               <a:noFill/>
@@ -4135,6 +4133,118 @@
     <p:extLst>
       <p:ext uri="{BB962C8B-B14F-4D97-AF65-F5344CB8AC3E}">
         <p14:creationId xmlns:p14="http://schemas.microsoft.com/office/powerpoint/2010/main" val="1043984158"/>
+      </p:ext>
+    </p:extLst>
+  </p:cSld>
+  <p:clrMapOvr>
+    <a:masterClrMapping/>
+  </p:clrMapOvr>
+</p:sld>
+</file>
+
+<file path=ppt/slides/slide4.xml><?xml version="1.0" encoding="utf-8"?>
+<p:sld xmlns:a="http://schemas.openxmlformats.org/drawingml/2006/main" xmlns:r="http://schemas.openxmlformats.org/officeDocument/2006/relationships" xmlns:p="http://schemas.openxmlformats.org/presentationml/2006/main">
+  <p:cSld>
+    <p:spTree>
+      <p:nvGrpSpPr>
+        <p:cNvPr id="1" name=""/>
+        <p:cNvGrpSpPr/>
+        <p:nvPr/>
+      </p:nvGrpSpPr>
+      <p:grpSpPr>
+        <a:xfrm>
+          <a:off x="0" y="0"/>
+          <a:ext cx="0" cy="0"/>
+          <a:chOff x="0" y="0"/>
+          <a:chExt cx="0" cy="0"/>
+        </a:xfrm>
+      </p:grpSpPr>
+      <p:sp>
+        <p:nvSpPr>
+          <p:cNvPr id="8" name="Rectangle 7">
+            <a:extLst>
+              <a:ext uri="{FF2B5EF4-FFF2-40B4-BE49-F238E27FC236}">
+                <a16:creationId xmlns:a16="http://schemas.microsoft.com/office/drawing/2014/main" id="{8C544D0C-34CF-42A4-8A82-9D46167D1B6C}"/>
+              </a:ext>
+            </a:extLst>
+          </p:cNvPr>
+          <p:cNvSpPr/>
+          <p:nvPr/>
+        </p:nvSpPr>
+        <p:spPr>
+          <a:xfrm>
+            <a:off x="6214665" y="1315804"/>
+            <a:ext cx="5715000" cy="4127500"/>
+          </a:xfrm>
+          <a:prstGeom prst="rect">
+            <a:avLst/>
+          </a:prstGeom>
+          <a:solidFill>
+            <a:srgbClr val="92264A"/>
+          </a:solidFill>
+          <a:ln>
+            <a:noFill/>
+          </a:ln>
+        </p:spPr>
+        <p:style>
+          <a:lnRef idx="2">
+            <a:schemeClr val="dk1">
+              <a:shade val="50000"/>
+            </a:schemeClr>
+          </a:lnRef>
+          <a:fillRef idx="1">
+            <a:schemeClr val="dk1"/>
+          </a:fillRef>
+          <a:effectRef idx="0">
+            <a:schemeClr val="dk1"/>
+          </a:effectRef>
+          <a:fontRef idx="minor">
+            <a:schemeClr val="lt1"/>
+          </a:fontRef>
+        </p:style>
+        <p:txBody>
+          <a:bodyPr rtlCol="0" anchor="ctr"/>
+          <a:lstStyle/>
+          <a:p>
+            <a:pPr algn="ctr"/>
+            <a:endParaRPr lang="en-US" dirty="0"/>
+          </a:p>
+        </p:txBody>
+      </p:sp>
+    </p:spTree>
+    <p:extLst>
+      <p:ext uri="{BB962C8B-B14F-4D97-AF65-F5344CB8AC3E}">
+        <p14:creationId xmlns:p14="http://schemas.microsoft.com/office/powerpoint/2010/main" val="484744864"/>
+      </p:ext>
+    </p:extLst>
+  </p:cSld>
+  <p:clrMapOvr>
+    <a:masterClrMapping/>
+  </p:clrMapOvr>
+</p:sld>
+</file>
+
+<file path=ppt/slides/slide5.xml><?xml version="1.0" encoding="utf-8"?>
+<p:sld xmlns:a="http://schemas.openxmlformats.org/drawingml/2006/main" xmlns:r="http://schemas.openxmlformats.org/officeDocument/2006/relationships" xmlns:p="http://schemas.openxmlformats.org/presentationml/2006/main">
+  <p:cSld>
+    <p:spTree>
+      <p:nvGrpSpPr>
+        <p:cNvPr id="1" name=""/>
+        <p:cNvGrpSpPr/>
+        <p:nvPr/>
+      </p:nvGrpSpPr>
+      <p:grpSpPr>
+        <a:xfrm>
+          <a:off x="0" y="0"/>
+          <a:ext cx="0" cy="0"/>
+          <a:chOff x="0" y="0"/>
+          <a:chExt cx="0" cy="0"/>
+        </a:xfrm>
+      </p:grpSpPr>
+    </p:spTree>
+    <p:extLst>
+      <p:ext uri="{BB962C8B-B14F-4D97-AF65-F5344CB8AC3E}">
+        <p14:creationId xmlns:p14="http://schemas.microsoft.com/office/powerpoint/2010/main" val="3139944343"/>
       </p:ext>
     </p:extLst>
   </p:cSld>

--- a/Photos/portfolio/Website Photos.pptx
+++ b/Photos/portfolio/Website Photos.pptx
@@ -9,7 +9,7 @@
     <p:sldId id="259" r:id="rId3"/>
     <p:sldId id="257" r:id="rId4"/>
     <p:sldId id="261" r:id="rId5"/>
-    <p:sldId id="260" r:id="rId6"/>
+    <p:sldId id="262" r:id="rId6"/>
   </p:sldIdLst>
   <p:sldSz cx="12192000" cy="6858000"/>
   <p:notesSz cx="6858000" cy="9144000"/>
@@ -263,7 +263,7 @@
           <a:p>
             <a:fld id="{2A8B6BC7-9714-41C7-AB4F-ACC9AC140C18}" type="datetimeFigureOut">
               <a:rPr lang="en-US" smtClean="0"/>
-              <a:t>6/3/2020</a:t>
+              <a:t>9/1/20</a:t>
             </a:fld>
             <a:endParaRPr lang="en-US"/>
           </a:p>
@@ -461,7 +461,7 @@
           <a:p>
             <a:fld id="{2A8B6BC7-9714-41C7-AB4F-ACC9AC140C18}" type="datetimeFigureOut">
               <a:rPr lang="en-US" smtClean="0"/>
-              <a:t>6/3/2020</a:t>
+              <a:t>9/1/20</a:t>
             </a:fld>
             <a:endParaRPr lang="en-US"/>
           </a:p>
@@ -669,7 +669,7 @@
           <a:p>
             <a:fld id="{2A8B6BC7-9714-41C7-AB4F-ACC9AC140C18}" type="datetimeFigureOut">
               <a:rPr lang="en-US" smtClean="0"/>
-              <a:t>6/3/2020</a:t>
+              <a:t>9/1/20</a:t>
             </a:fld>
             <a:endParaRPr lang="en-US"/>
           </a:p>
@@ -867,7 +867,7 @@
           <a:p>
             <a:fld id="{2A8B6BC7-9714-41C7-AB4F-ACC9AC140C18}" type="datetimeFigureOut">
               <a:rPr lang="en-US" smtClean="0"/>
-              <a:t>6/3/2020</a:t>
+              <a:t>9/1/20</a:t>
             </a:fld>
             <a:endParaRPr lang="en-US"/>
           </a:p>
@@ -1142,7 +1142,7 @@
           <a:p>
             <a:fld id="{2A8B6BC7-9714-41C7-AB4F-ACC9AC140C18}" type="datetimeFigureOut">
               <a:rPr lang="en-US" smtClean="0"/>
-              <a:t>6/3/2020</a:t>
+              <a:t>9/1/20</a:t>
             </a:fld>
             <a:endParaRPr lang="en-US"/>
           </a:p>
@@ -1407,7 +1407,7 @@
           <a:p>
             <a:fld id="{2A8B6BC7-9714-41C7-AB4F-ACC9AC140C18}" type="datetimeFigureOut">
               <a:rPr lang="en-US" smtClean="0"/>
-              <a:t>6/3/2020</a:t>
+              <a:t>9/1/20</a:t>
             </a:fld>
             <a:endParaRPr lang="en-US"/>
           </a:p>
@@ -1819,7 +1819,7 @@
           <a:p>
             <a:fld id="{2A8B6BC7-9714-41C7-AB4F-ACC9AC140C18}" type="datetimeFigureOut">
               <a:rPr lang="en-US" smtClean="0"/>
-              <a:t>6/3/2020</a:t>
+              <a:t>9/1/20</a:t>
             </a:fld>
             <a:endParaRPr lang="en-US"/>
           </a:p>
@@ -1960,7 +1960,7 @@
           <a:p>
             <a:fld id="{2A8B6BC7-9714-41C7-AB4F-ACC9AC140C18}" type="datetimeFigureOut">
               <a:rPr lang="en-US" smtClean="0"/>
-              <a:t>6/3/2020</a:t>
+              <a:t>9/1/20</a:t>
             </a:fld>
             <a:endParaRPr lang="en-US"/>
           </a:p>
@@ -2073,7 +2073,7 @@
           <a:p>
             <a:fld id="{2A8B6BC7-9714-41C7-AB4F-ACC9AC140C18}" type="datetimeFigureOut">
               <a:rPr lang="en-US" smtClean="0"/>
-              <a:t>6/3/2020</a:t>
+              <a:t>9/1/20</a:t>
             </a:fld>
             <a:endParaRPr lang="en-US"/>
           </a:p>
@@ -2384,7 +2384,7 @@
           <a:p>
             <a:fld id="{2A8B6BC7-9714-41C7-AB4F-ACC9AC140C18}" type="datetimeFigureOut">
               <a:rPr lang="en-US" smtClean="0"/>
-              <a:t>6/3/2020</a:t>
+              <a:t>9/1/20</a:t>
             </a:fld>
             <a:endParaRPr lang="en-US"/>
           </a:p>
@@ -2672,7 +2672,7 @@
           <a:p>
             <a:fld id="{2A8B6BC7-9714-41C7-AB4F-ACC9AC140C18}" type="datetimeFigureOut">
               <a:rPr lang="en-US" smtClean="0"/>
-              <a:t>6/3/2020</a:t>
+              <a:t>9/1/20</a:t>
             </a:fld>
             <a:endParaRPr lang="en-US"/>
           </a:p>
@@ -2913,7 +2913,7 @@
           <a:p>
             <a:fld id="{2A8B6BC7-9714-41C7-AB4F-ACC9AC140C18}" type="datetimeFigureOut">
               <a:rPr lang="en-US" smtClean="0"/>
-              <a:t>6/3/2020</a:t>
+              <a:t>9/1/20</a:t>
             </a:fld>
             <a:endParaRPr lang="en-US"/>
           </a:p>
@@ -4211,6 +4211,181 @@
           </a:p>
         </p:txBody>
       </p:sp>
+      <p:sp>
+        <p:nvSpPr>
+          <p:cNvPr id="3" name="Rectangle 2">
+            <a:extLst>
+              <a:ext uri="{FF2B5EF4-FFF2-40B4-BE49-F238E27FC236}">
+                <a16:creationId xmlns:a16="http://schemas.microsoft.com/office/drawing/2014/main" id="{A6124C2E-B9AF-064A-848C-AC8550EE9912}"/>
+              </a:ext>
+            </a:extLst>
+          </p:cNvPr>
+          <p:cNvSpPr/>
+          <p:nvPr/>
+        </p:nvSpPr>
+        <p:spPr>
+          <a:xfrm>
+            <a:off x="262335" y="1315804"/>
+            <a:ext cx="5715000" cy="4127500"/>
+          </a:xfrm>
+          <a:prstGeom prst="rect">
+            <a:avLst/>
+          </a:prstGeom>
+          <a:solidFill>
+            <a:srgbClr val="9C009A"/>
+          </a:solidFill>
+          <a:ln>
+            <a:noFill/>
+          </a:ln>
+        </p:spPr>
+        <p:style>
+          <a:lnRef idx="2">
+            <a:schemeClr val="dk1">
+              <a:shade val="50000"/>
+            </a:schemeClr>
+          </a:lnRef>
+          <a:fillRef idx="1">
+            <a:schemeClr val="dk1"/>
+          </a:fillRef>
+          <a:effectRef idx="0">
+            <a:schemeClr val="dk1"/>
+          </a:effectRef>
+          <a:fontRef idx="minor">
+            <a:schemeClr val="lt1"/>
+          </a:fontRef>
+        </p:style>
+        <p:txBody>
+          <a:bodyPr rtlCol="0" anchor="ctr"/>
+          <a:lstStyle/>
+          <a:p>
+            <a:pPr algn="ctr"/>
+            <a:endParaRPr lang="en-US" dirty="0"/>
+          </a:p>
+        </p:txBody>
+      </p:sp>
+      <p:sp>
+        <p:nvSpPr>
+          <p:cNvPr id="4" name="Oval 3">
+            <a:extLst>
+              <a:ext uri="{FF2B5EF4-FFF2-40B4-BE49-F238E27FC236}">
+                <a16:creationId xmlns:a16="http://schemas.microsoft.com/office/drawing/2014/main" id="{E6B1A064-8267-034F-8481-E93E65F1AF0C}"/>
+              </a:ext>
+            </a:extLst>
+          </p:cNvPr>
+          <p:cNvSpPr/>
+          <p:nvPr/>
+        </p:nvSpPr>
+        <p:spPr>
+          <a:xfrm>
+            <a:off x="1494235" y="1753954"/>
+            <a:ext cx="3251200" cy="3251200"/>
+          </a:xfrm>
+          <a:prstGeom prst="ellipse">
+            <a:avLst/>
+          </a:prstGeom>
+          <a:solidFill>
+            <a:schemeClr val="bg1"/>
+          </a:solidFill>
+          <a:ln>
+            <a:noFill/>
+          </a:ln>
+        </p:spPr>
+        <p:style>
+          <a:lnRef idx="2">
+            <a:schemeClr val="accent1">
+              <a:shade val="50000"/>
+            </a:schemeClr>
+          </a:lnRef>
+          <a:fillRef idx="1">
+            <a:schemeClr val="accent1"/>
+          </a:fillRef>
+          <a:effectRef idx="0">
+            <a:schemeClr val="accent1"/>
+          </a:effectRef>
+          <a:fontRef idx="minor">
+            <a:schemeClr val="lt1"/>
+          </a:fontRef>
+        </p:style>
+        <p:txBody>
+          <a:bodyPr rtlCol="0" anchor="ctr"/>
+          <a:lstStyle/>
+          <a:p>
+            <a:pPr algn="ctr"/>
+            <a:endParaRPr lang="en-US" dirty="0"/>
+          </a:p>
+        </p:txBody>
+      </p:sp>
+      <p:pic>
+        <p:nvPicPr>
+          <p:cNvPr id="7" name="Picture 6" descr="A close up of a logo&#10;&#10;Description automatically generated">
+            <a:extLst>
+              <a:ext uri="{FF2B5EF4-FFF2-40B4-BE49-F238E27FC236}">
+                <a16:creationId xmlns:a16="http://schemas.microsoft.com/office/drawing/2014/main" id="{4070142D-516C-FA4D-BC66-88D590FD360F}"/>
+              </a:ext>
+            </a:extLst>
+          </p:cNvPr>
+          <p:cNvPicPr>
+            <a:picLocks noChangeAspect="1"/>
+          </p:cNvPicPr>
+          <p:nvPr/>
+        </p:nvPicPr>
+        <p:blipFill rotWithShape="1">
+          <a:blip r:embed="rId2">
+            <a:extLst>
+              <a:ext uri="{28A0092B-C50C-407E-A947-70E740481C1C}">
+                <a14:useLocalDpi xmlns:a14="http://schemas.microsoft.com/office/drawing/2010/main" val="0"/>
+              </a:ext>
+            </a:extLst>
+          </a:blip>
+          <a:srcRect l="29622" t="37307" r="30677" b="35231"/>
+          <a:stretch/>
+        </p:blipFill>
+        <p:spPr>
+          <a:xfrm>
+            <a:off x="1912970" y="2712973"/>
+            <a:ext cx="2608802" cy="1333161"/>
+          </a:xfrm>
+          <a:prstGeom prst="rect">
+            <a:avLst/>
+          </a:prstGeom>
+        </p:spPr>
+      </p:pic>
+      <p:pic>
+        <p:nvPicPr>
+          <p:cNvPr id="10" name="Picture 9" descr="A close up of a logo&#10;&#10;Description automatically generated">
+            <a:extLst>
+              <a:ext uri="{FF2B5EF4-FFF2-40B4-BE49-F238E27FC236}">
+                <a16:creationId xmlns:a16="http://schemas.microsoft.com/office/drawing/2014/main" id="{4E56181D-B1A2-B74A-B058-288B77B15772}"/>
+              </a:ext>
+            </a:extLst>
+          </p:cNvPr>
+          <p:cNvPicPr>
+            <a:picLocks noChangeAspect="1"/>
+          </p:cNvPicPr>
+          <p:nvPr/>
+        </p:nvPicPr>
+        <p:blipFill>
+          <a:blip r:embed="rId3">
+            <a:extLst>
+              <a:ext uri="{28A0092B-C50C-407E-A947-70E740481C1C}">
+                <a14:useLocalDpi xmlns:a14="http://schemas.microsoft.com/office/drawing/2010/main" val="0"/>
+              </a:ext>
+            </a:extLst>
+          </a:blip>
+          <a:stretch>
+            <a:fillRect/>
+          </a:stretch>
+        </p:blipFill>
+        <p:spPr>
+          <a:xfrm>
+            <a:off x="6600869" y="220300"/>
+            <a:ext cx="3348808" cy="725850"/>
+          </a:xfrm>
+          <a:prstGeom prst="rect">
+            <a:avLst/>
+          </a:prstGeom>
+        </p:spPr>
+      </p:pic>
     </p:spTree>
     <p:extLst>
       <p:ext uri="{BB962C8B-B14F-4D97-AF65-F5344CB8AC3E}">
@@ -4241,10 +4416,289 @@
           <a:chExt cx="0" cy="0"/>
         </a:xfrm>
       </p:grpSpPr>
+      <p:sp>
+        <p:nvSpPr>
+          <p:cNvPr id="8" name="Rectangle 7">
+            <a:extLst>
+              <a:ext uri="{FF2B5EF4-FFF2-40B4-BE49-F238E27FC236}">
+                <a16:creationId xmlns:a16="http://schemas.microsoft.com/office/drawing/2014/main" id="{8C544D0C-34CF-42A4-8A82-9D46167D1B6C}"/>
+              </a:ext>
+            </a:extLst>
+          </p:cNvPr>
+          <p:cNvSpPr/>
+          <p:nvPr/>
+        </p:nvSpPr>
+        <p:spPr>
+          <a:xfrm>
+            <a:off x="6214665" y="1315804"/>
+            <a:ext cx="5715000" cy="4127500"/>
+          </a:xfrm>
+          <a:prstGeom prst="rect">
+            <a:avLst/>
+          </a:prstGeom>
+          <a:solidFill>
+            <a:srgbClr val="0D0B8A"/>
+          </a:solidFill>
+          <a:ln>
+            <a:noFill/>
+          </a:ln>
+        </p:spPr>
+        <p:style>
+          <a:lnRef idx="2">
+            <a:schemeClr val="dk1">
+              <a:shade val="50000"/>
+            </a:schemeClr>
+          </a:lnRef>
+          <a:fillRef idx="1">
+            <a:schemeClr val="dk1"/>
+          </a:fillRef>
+          <a:effectRef idx="0">
+            <a:schemeClr val="dk1"/>
+          </a:effectRef>
+          <a:fontRef idx="minor">
+            <a:schemeClr val="lt1"/>
+          </a:fontRef>
+        </p:style>
+        <p:txBody>
+          <a:bodyPr rtlCol="0" anchor="ctr"/>
+          <a:lstStyle/>
+          <a:p>
+            <a:pPr algn="ctr"/>
+            <a:endParaRPr lang="en-US" dirty="0"/>
+          </a:p>
+        </p:txBody>
+      </p:sp>
+      <p:sp>
+        <p:nvSpPr>
+          <p:cNvPr id="3" name="Rectangle 2">
+            <a:extLst>
+              <a:ext uri="{FF2B5EF4-FFF2-40B4-BE49-F238E27FC236}">
+                <a16:creationId xmlns:a16="http://schemas.microsoft.com/office/drawing/2014/main" id="{A6124C2E-B9AF-064A-848C-AC8550EE9912}"/>
+              </a:ext>
+            </a:extLst>
+          </p:cNvPr>
+          <p:cNvSpPr/>
+          <p:nvPr/>
+        </p:nvSpPr>
+        <p:spPr>
+          <a:xfrm>
+            <a:off x="262335" y="1315804"/>
+            <a:ext cx="5715000" cy="4127500"/>
+          </a:xfrm>
+          <a:prstGeom prst="rect">
+            <a:avLst/>
+          </a:prstGeom>
+          <a:solidFill>
+            <a:srgbClr val="9C009A"/>
+          </a:solidFill>
+          <a:ln>
+            <a:noFill/>
+          </a:ln>
+        </p:spPr>
+        <p:style>
+          <a:lnRef idx="2">
+            <a:schemeClr val="dk1">
+              <a:shade val="50000"/>
+            </a:schemeClr>
+          </a:lnRef>
+          <a:fillRef idx="1">
+            <a:schemeClr val="dk1"/>
+          </a:fillRef>
+          <a:effectRef idx="0">
+            <a:schemeClr val="dk1"/>
+          </a:effectRef>
+          <a:fontRef idx="minor">
+            <a:schemeClr val="lt1"/>
+          </a:fontRef>
+        </p:style>
+        <p:txBody>
+          <a:bodyPr rtlCol="0" anchor="ctr"/>
+          <a:lstStyle/>
+          <a:p>
+            <a:pPr algn="ctr"/>
+            <a:endParaRPr lang="en-US" dirty="0"/>
+          </a:p>
+        </p:txBody>
+      </p:sp>
+      <p:sp>
+        <p:nvSpPr>
+          <p:cNvPr id="4" name="Oval 3">
+            <a:extLst>
+              <a:ext uri="{FF2B5EF4-FFF2-40B4-BE49-F238E27FC236}">
+                <a16:creationId xmlns:a16="http://schemas.microsoft.com/office/drawing/2014/main" id="{E6B1A064-8267-034F-8481-E93E65F1AF0C}"/>
+              </a:ext>
+            </a:extLst>
+          </p:cNvPr>
+          <p:cNvSpPr/>
+          <p:nvPr/>
+        </p:nvSpPr>
+        <p:spPr>
+          <a:xfrm>
+            <a:off x="1494235" y="1753954"/>
+            <a:ext cx="3251200" cy="3251200"/>
+          </a:xfrm>
+          <a:prstGeom prst="ellipse">
+            <a:avLst/>
+          </a:prstGeom>
+          <a:solidFill>
+            <a:schemeClr val="bg1"/>
+          </a:solidFill>
+          <a:ln>
+            <a:noFill/>
+          </a:ln>
+        </p:spPr>
+        <p:style>
+          <a:lnRef idx="2">
+            <a:schemeClr val="accent1">
+              <a:shade val="50000"/>
+            </a:schemeClr>
+          </a:lnRef>
+          <a:fillRef idx="1">
+            <a:schemeClr val="accent1"/>
+          </a:fillRef>
+          <a:effectRef idx="0">
+            <a:schemeClr val="accent1"/>
+          </a:effectRef>
+          <a:fontRef idx="minor">
+            <a:schemeClr val="lt1"/>
+          </a:fontRef>
+        </p:style>
+        <p:txBody>
+          <a:bodyPr rtlCol="0" anchor="ctr"/>
+          <a:lstStyle/>
+          <a:p>
+            <a:pPr algn="ctr"/>
+            <a:endParaRPr lang="en-US" dirty="0"/>
+          </a:p>
+        </p:txBody>
+      </p:sp>
+      <p:pic>
+        <p:nvPicPr>
+          <p:cNvPr id="7" name="Picture 6" descr="A close up of a logo&#10;&#10;Description automatically generated">
+            <a:extLst>
+              <a:ext uri="{FF2B5EF4-FFF2-40B4-BE49-F238E27FC236}">
+                <a16:creationId xmlns:a16="http://schemas.microsoft.com/office/drawing/2014/main" id="{4070142D-516C-FA4D-BC66-88D590FD360F}"/>
+              </a:ext>
+            </a:extLst>
+          </p:cNvPr>
+          <p:cNvPicPr>
+            <a:picLocks noChangeAspect="1"/>
+          </p:cNvPicPr>
+          <p:nvPr/>
+        </p:nvPicPr>
+        <p:blipFill rotWithShape="1">
+          <a:blip r:embed="rId2">
+            <a:extLst>
+              <a:ext uri="{28A0092B-C50C-407E-A947-70E740481C1C}">
+                <a14:useLocalDpi xmlns:a14="http://schemas.microsoft.com/office/drawing/2010/main" val="0"/>
+              </a:ext>
+            </a:extLst>
+          </a:blip>
+          <a:srcRect l="29622" t="37307" r="30677" b="35231"/>
+          <a:stretch/>
+        </p:blipFill>
+        <p:spPr>
+          <a:xfrm>
+            <a:off x="1912970" y="2712973"/>
+            <a:ext cx="2608802" cy="1333161"/>
+          </a:xfrm>
+          <a:prstGeom prst="rect">
+            <a:avLst/>
+          </a:prstGeom>
+        </p:spPr>
+      </p:pic>
+      <p:sp>
+        <p:nvSpPr>
+          <p:cNvPr id="9" name="Oval 8">
+            <a:extLst>
+              <a:ext uri="{FF2B5EF4-FFF2-40B4-BE49-F238E27FC236}">
+                <a16:creationId xmlns:a16="http://schemas.microsoft.com/office/drawing/2014/main" id="{D7338715-E0CE-0B47-BD46-CFD684D4DE85}"/>
+              </a:ext>
+            </a:extLst>
+          </p:cNvPr>
+          <p:cNvSpPr/>
+          <p:nvPr/>
+        </p:nvSpPr>
+        <p:spPr>
+          <a:xfrm>
+            <a:off x="7446565" y="1803400"/>
+            <a:ext cx="3251200" cy="3251200"/>
+          </a:xfrm>
+          <a:prstGeom prst="ellipse">
+            <a:avLst/>
+          </a:prstGeom>
+          <a:solidFill>
+            <a:schemeClr val="bg1"/>
+          </a:solidFill>
+          <a:ln>
+            <a:noFill/>
+          </a:ln>
+        </p:spPr>
+        <p:style>
+          <a:lnRef idx="2">
+            <a:schemeClr val="accent1">
+              <a:shade val="50000"/>
+            </a:schemeClr>
+          </a:lnRef>
+          <a:fillRef idx="1">
+            <a:schemeClr val="accent1"/>
+          </a:fillRef>
+          <a:effectRef idx="0">
+            <a:schemeClr val="accent1"/>
+          </a:effectRef>
+          <a:fontRef idx="minor">
+            <a:schemeClr val="lt1"/>
+          </a:fontRef>
+        </p:style>
+        <p:txBody>
+          <a:bodyPr rtlCol="0" anchor="ctr"/>
+          <a:lstStyle/>
+          <a:p>
+            <a:pPr algn="ctr"/>
+            <a:endParaRPr lang="en-US" dirty="0"/>
+          </a:p>
+        </p:txBody>
+      </p:sp>
+      <p:pic>
+        <p:nvPicPr>
+          <p:cNvPr id="10" name="Picture 9" descr="A close up of a logo&#10;&#10;Description automatically generated">
+            <a:extLst>
+              <a:ext uri="{FF2B5EF4-FFF2-40B4-BE49-F238E27FC236}">
+                <a16:creationId xmlns:a16="http://schemas.microsoft.com/office/drawing/2014/main" id="{4E56181D-B1A2-B74A-B058-288B77B15772}"/>
+              </a:ext>
+            </a:extLst>
+          </p:cNvPr>
+          <p:cNvPicPr>
+            <a:picLocks noChangeAspect="1"/>
+          </p:cNvPicPr>
+          <p:nvPr/>
+        </p:nvPicPr>
+        <p:blipFill>
+          <a:blip r:embed="rId3">
+            <a:extLst>
+              <a:ext uri="{28A0092B-C50C-407E-A947-70E740481C1C}">
+                <a14:useLocalDpi xmlns:a14="http://schemas.microsoft.com/office/drawing/2010/main" val="0"/>
+              </a:ext>
+            </a:extLst>
+          </a:blip>
+          <a:stretch>
+            <a:fillRect/>
+          </a:stretch>
+        </p:blipFill>
+        <p:spPr>
+          <a:xfrm>
+            <a:off x="7534581" y="3095730"/>
+            <a:ext cx="3075167" cy="666539"/>
+          </a:xfrm>
+          <a:prstGeom prst="rect">
+            <a:avLst/>
+          </a:prstGeom>
+        </p:spPr>
+      </p:pic>
     </p:spTree>
     <p:extLst>
       <p:ext uri="{BB962C8B-B14F-4D97-AF65-F5344CB8AC3E}">
-        <p14:creationId xmlns:p14="http://schemas.microsoft.com/office/powerpoint/2010/main" val="3139944343"/>
+        <p14:creationId xmlns:p14="http://schemas.microsoft.com/office/powerpoint/2010/main" val="1299404042"/>
       </p:ext>
     </p:extLst>
   </p:cSld>
